--- a/dts-parent/doc/分布式事务系统DTS原理及使用.pptx
+++ b/dts-parent/doc/分布式事务系统DTS原理及使用.pptx
@@ -387,7 +387,7 @@
           <a:p>
             <a:fld id="{530820CF-B880-4189-942D-D702A7CBA730}" type="datetimeFigureOut">
               <a:rPr lang="zh-CN" altLang="en-US" smtClean="0"/>
-              <a:t>2016/12/18</a:t>
+              <a:t>2016/12/21</a:t>
             </a:fld>
             <a:endParaRPr lang="zh-CN" altLang="en-US"/>
           </a:p>
@@ -555,7 +555,7 @@
           <a:p>
             <a:fld id="{530820CF-B880-4189-942D-D702A7CBA730}" type="datetimeFigureOut">
               <a:rPr lang="zh-CN" altLang="en-US" smtClean="0"/>
-              <a:t>2016/12/18</a:t>
+              <a:t>2016/12/21</a:t>
             </a:fld>
             <a:endParaRPr lang="zh-CN" altLang="en-US"/>
           </a:p>
@@ -733,7 +733,7 @@
           <a:p>
             <a:fld id="{530820CF-B880-4189-942D-D702A7CBA730}" type="datetimeFigureOut">
               <a:rPr lang="zh-CN" altLang="en-US" smtClean="0"/>
-              <a:t>2016/12/18</a:t>
+              <a:t>2016/12/21</a:t>
             </a:fld>
             <a:endParaRPr lang="zh-CN" altLang="en-US"/>
           </a:p>
@@ -901,7 +901,7 @@
           <a:p>
             <a:fld id="{530820CF-B880-4189-942D-D702A7CBA730}" type="datetimeFigureOut">
               <a:rPr lang="zh-CN" altLang="en-US" smtClean="0"/>
-              <a:t>2016/12/18</a:t>
+              <a:t>2016/12/21</a:t>
             </a:fld>
             <a:endParaRPr lang="zh-CN" altLang="en-US"/>
           </a:p>
@@ -1145,7 +1145,7 @@
           <a:p>
             <a:fld id="{530820CF-B880-4189-942D-D702A7CBA730}" type="datetimeFigureOut">
               <a:rPr lang="zh-CN" altLang="en-US" smtClean="0"/>
-              <a:t>2016/12/18</a:t>
+              <a:t>2016/12/21</a:t>
             </a:fld>
             <a:endParaRPr lang="zh-CN" altLang="en-US"/>
           </a:p>
@@ -1431,7 +1431,7 @@
           <a:p>
             <a:fld id="{530820CF-B880-4189-942D-D702A7CBA730}" type="datetimeFigureOut">
               <a:rPr lang="zh-CN" altLang="en-US" smtClean="0"/>
-              <a:t>2016/12/18</a:t>
+              <a:t>2016/12/21</a:t>
             </a:fld>
             <a:endParaRPr lang="zh-CN" altLang="en-US"/>
           </a:p>
@@ -1851,7 +1851,7 @@
           <a:p>
             <a:fld id="{530820CF-B880-4189-942D-D702A7CBA730}" type="datetimeFigureOut">
               <a:rPr lang="zh-CN" altLang="en-US" smtClean="0"/>
-              <a:t>2016/12/18</a:t>
+              <a:t>2016/12/21</a:t>
             </a:fld>
             <a:endParaRPr lang="zh-CN" altLang="en-US"/>
           </a:p>
@@ -1967,7 +1967,7 @@
           <a:p>
             <a:fld id="{530820CF-B880-4189-942D-D702A7CBA730}" type="datetimeFigureOut">
               <a:rPr lang="zh-CN" altLang="en-US" smtClean="0"/>
-              <a:t>2016/12/18</a:t>
+              <a:t>2016/12/21</a:t>
             </a:fld>
             <a:endParaRPr lang="zh-CN" altLang="en-US"/>
           </a:p>
@@ -2060,7 +2060,7 @@
           <a:p>
             <a:fld id="{530820CF-B880-4189-942D-D702A7CBA730}" type="datetimeFigureOut">
               <a:rPr lang="zh-CN" altLang="en-US" smtClean="0"/>
-              <a:t>2016/12/18</a:t>
+              <a:t>2016/12/21</a:t>
             </a:fld>
             <a:endParaRPr lang="zh-CN" altLang="en-US"/>
           </a:p>
@@ -2335,7 +2335,7 @@
           <a:p>
             <a:fld id="{530820CF-B880-4189-942D-D702A7CBA730}" type="datetimeFigureOut">
               <a:rPr lang="zh-CN" altLang="en-US" smtClean="0"/>
-              <a:t>2016/12/18</a:t>
+              <a:t>2016/12/21</a:t>
             </a:fld>
             <a:endParaRPr lang="zh-CN" altLang="en-US"/>
           </a:p>
@@ -2586,7 +2586,7 @@
           <a:p>
             <a:fld id="{530820CF-B880-4189-942D-D702A7CBA730}" type="datetimeFigureOut">
               <a:rPr lang="zh-CN" altLang="en-US" smtClean="0"/>
-              <a:t>2016/12/18</a:t>
+              <a:t>2016/12/21</a:t>
             </a:fld>
             <a:endParaRPr lang="zh-CN" altLang="en-US"/>
           </a:p>
@@ -2797,7 +2797,7 @@
           <a:p>
             <a:fld id="{530820CF-B880-4189-942D-D702A7CBA730}" type="datetimeFigureOut">
               <a:rPr lang="zh-CN" altLang="en-US" smtClean="0"/>
-              <a:t>2016/12/18</a:t>
+              <a:t>2016/12/21</a:t>
             </a:fld>
             <a:endParaRPr lang="zh-CN" altLang="en-US"/>
           </a:p>
@@ -3351,36 +3351,6 @@
           </a:p>
         </p:txBody>
       </p:sp>
-      <p:pic>
-        <p:nvPicPr>
-          <p:cNvPr id="6" name="图片框 1025"/>
-          <p:cNvPicPr/>
-          <p:nvPr/>
-        </p:nvPicPr>
-        <p:blipFill>
-          <a:blip r:embed="rId3"/>
-          <a:srcRect/>
-          <a:stretch>
-            <a:fillRect/>
-          </a:stretch>
-        </p:blipFill>
-        <p:spPr>
-          <a:xfrm>
-            <a:off x="15919" y="6237312"/>
-            <a:ext cx="1944216" cy="504056"/>
-          </a:xfrm>
-          <a:prstGeom prst="rect">
-            <a:avLst/>
-          </a:prstGeom>
-          <a:noFill/>
-          <a:ln w="9525">
-            <a:noFill/>
-            <a:miter lim="800000"/>
-            <a:headEnd/>
-            <a:tailEnd/>
-          </a:ln>
-        </p:spPr>
-      </p:pic>
       <p:sp>
         <p:nvSpPr>
           <p:cNvPr id="8" name="矩形 7"/>
@@ -4093,36 +4063,6 @@
       </p:sp>
       <p:pic>
         <p:nvPicPr>
-          <p:cNvPr id="63" name="图片框 1025"/>
-          <p:cNvPicPr/>
-          <p:nvPr/>
-        </p:nvPicPr>
-        <p:blipFill>
-          <a:blip r:embed="rId3"/>
-          <a:srcRect/>
-          <a:stretch>
-            <a:fillRect/>
-          </a:stretch>
-        </p:blipFill>
-        <p:spPr>
-          <a:xfrm>
-            <a:off x="15919" y="6237312"/>
-            <a:ext cx="1944216" cy="504056"/>
-          </a:xfrm>
-          <a:prstGeom prst="rect">
-            <a:avLst/>
-          </a:prstGeom>
-          <a:noFill/>
-          <a:ln w="9525">
-            <a:noFill/>
-            <a:miter lim="800000"/>
-            <a:headEnd/>
-            <a:tailEnd/>
-          </a:ln>
-        </p:spPr>
-      </p:pic>
-      <p:pic>
-        <p:nvPicPr>
           <p:cNvPr id="3" name="内容占位符 2"/>
           <p:cNvPicPr>
             <a:picLocks noGrp="1" noChangeAspect="1"/>
@@ -4132,7 +4072,7 @@
           </p:nvPr>
         </p:nvPicPr>
         <p:blipFill>
-          <a:blip r:embed="rId4">
+          <a:blip r:embed="rId3">
             <a:extLst>
               <a:ext uri="{28A0092B-C50C-407E-A947-70E740481C1C}">
                 <a14:useLocalDpi xmlns:a14="http://schemas.microsoft.com/office/drawing/2010/main" val="0"/>
@@ -4387,36 +4327,6 @@
       </p:sp>
       <p:pic>
         <p:nvPicPr>
-          <p:cNvPr id="63" name="图片框 1025"/>
-          <p:cNvPicPr/>
-          <p:nvPr/>
-        </p:nvPicPr>
-        <p:blipFill>
-          <a:blip r:embed="rId3"/>
-          <a:srcRect/>
-          <a:stretch>
-            <a:fillRect/>
-          </a:stretch>
-        </p:blipFill>
-        <p:spPr>
-          <a:xfrm>
-            <a:off x="15919" y="6237312"/>
-            <a:ext cx="1944216" cy="504056"/>
-          </a:xfrm>
-          <a:prstGeom prst="rect">
-            <a:avLst/>
-          </a:prstGeom>
-          <a:noFill/>
-          <a:ln w="9525">
-            <a:noFill/>
-            <a:miter lim="800000"/>
-            <a:headEnd/>
-            <a:tailEnd/>
-          </a:ln>
-        </p:spPr>
-      </p:pic>
-      <p:pic>
-        <p:nvPicPr>
           <p:cNvPr id="5" name="内容占位符 4"/>
           <p:cNvPicPr>
             <a:picLocks noGrp="1" noChangeAspect="1"/>
@@ -4426,7 +4336,7 @@
           </p:nvPr>
         </p:nvPicPr>
         <p:blipFill>
-          <a:blip r:embed="rId4">
+          <a:blip r:embed="rId3">
             <a:extLst>
               <a:ext uri="{28A0092B-C50C-407E-A947-70E740481C1C}">
                 <a14:useLocalDpi xmlns:a14="http://schemas.microsoft.com/office/drawing/2010/main" val="0"/>
@@ -4681,36 +4591,6 @@
       </p:sp>
       <p:pic>
         <p:nvPicPr>
-          <p:cNvPr id="63" name="图片框 1025"/>
-          <p:cNvPicPr/>
-          <p:nvPr/>
-        </p:nvPicPr>
-        <p:blipFill>
-          <a:blip r:embed="rId3"/>
-          <a:srcRect/>
-          <a:stretch>
-            <a:fillRect/>
-          </a:stretch>
-        </p:blipFill>
-        <p:spPr>
-          <a:xfrm>
-            <a:off x="15919" y="6237312"/>
-            <a:ext cx="1944216" cy="504056"/>
-          </a:xfrm>
-          <a:prstGeom prst="rect">
-            <a:avLst/>
-          </a:prstGeom>
-          <a:noFill/>
-          <a:ln w="9525">
-            <a:noFill/>
-            <a:miter lim="800000"/>
-            <a:headEnd/>
-            <a:tailEnd/>
-          </a:ln>
-        </p:spPr>
-      </p:pic>
-      <p:pic>
-        <p:nvPicPr>
           <p:cNvPr id="3" name="内容占位符 2"/>
           <p:cNvPicPr>
             <a:picLocks noGrp="1" noChangeAspect="1"/>
@@ -4720,7 +4600,7 @@
           </p:nvPr>
         </p:nvPicPr>
         <p:blipFill>
-          <a:blip r:embed="rId4">
+          <a:blip r:embed="rId3">
             <a:extLst>
               <a:ext uri="{28A0092B-C50C-407E-A947-70E740481C1C}">
                 <a14:useLocalDpi xmlns:a14="http://schemas.microsoft.com/office/drawing/2010/main" val="0"/>
@@ -4965,36 +4845,6 @@
       </p:sp>
       <p:pic>
         <p:nvPicPr>
-          <p:cNvPr id="63" name="图片框 1025"/>
-          <p:cNvPicPr/>
-          <p:nvPr/>
-        </p:nvPicPr>
-        <p:blipFill>
-          <a:blip r:embed="rId3"/>
-          <a:srcRect/>
-          <a:stretch>
-            <a:fillRect/>
-          </a:stretch>
-        </p:blipFill>
-        <p:spPr>
-          <a:xfrm>
-            <a:off x="15919" y="6237312"/>
-            <a:ext cx="1944216" cy="504056"/>
-          </a:xfrm>
-          <a:prstGeom prst="rect">
-            <a:avLst/>
-          </a:prstGeom>
-          <a:noFill/>
-          <a:ln w="9525">
-            <a:noFill/>
-            <a:miter lim="800000"/>
-            <a:headEnd/>
-            <a:tailEnd/>
-          </a:ln>
-        </p:spPr>
-      </p:pic>
-      <p:pic>
-        <p:nvPicPr>
           <p:cNvPr id="3" name="内容占位符 2"/>
           <p:cNvPicPr>
             <a:picLocks noGrp="1" noChangeAspect="1"/>
@@ -5004,7 +4854,7 @@
           </p:nvPr>
         </p:nvPicPr>
         <p:blipFill>
-          <a:blip r:embed="rId4">
+          <a:blip r:embed="rId3">
             <a:extLst>
               <a:ext uri="{28A0092B-C50C-407E-A947-70E740481C1C}">
                 <a14:useLocalDpi xmlns:a14="http://schemas.microsoft.com/office/drawing/2010/main" val="0"/>
@@ -5249,36 +5099,6 @@
       </p:sp>
       <p:pic>
         <p:nvPicPr>
-          <p:cNvPr id="63" name="图片框 1025"/>
-          <p:cNvPicPr/>
-          <p:nvPr/>
-        </p:nvPicPr>
-        <p:blipFill>
-          <a:blip r:embed="rId3"/>
-          <a:srcRect/>
-          <a:stretch>
-            <a:fillRect/>
-          </a:stretch>
-        </p:blipFill>
-        <p:spPr>
-          <a:xfrm>
-            <a:off x="15919" y="6237312"/>
-            <a:ext cx="1944216" cy="504056"/>
-          </a:xfrm>
-          <a:prstGeom prst="rect">
-            <a:avLst/>
-          </a:prstGeom>
-          <a:noFill/>
-          <a:ln w="9525">
-            <a:noFill/>
-            <a:miter lim="800000"/>
-            <a:headEnd/>
-            <a:tailEnd/>
-          </a:ln>
-        </p:spPr>
-      </p:pic>
-      <p:pic>
-        <p:nvPicPr>
           <p:cNvPr id="5" name="内容占位符 4"/>
           <p:cNvPicPr>
             <a:picLocks noGrp="1" noChangeAspect="1"/>
@@ -5288,7 +5108,7 @@
           </p:nvPr>
         </p:nvPicPr>
         <p:blipFill>
-          <a:blip r:embed="rId4">
+          <a:blip r:embed="rId3">
             <a:extLst>
               <a:ext uri="{28A0092B-C50C-407E-A947-70E740481C1C}">
                 <a14:useLocalDpi xmlns:a14="http://schemas.microsoft.com/office/drawing/2010/main" val="0"/>
@@ -5543,36 +5363,6 @@
       </p:sp>
       <p:pic>
         <p:nvPicPr>
-          <p:cNvPr id="63" name="图片框 1025"/>
-          <p:cNvPicPr/>
-          <p:nvPr/>
-        </p:nvPicPr>
-        <p:blipFill>
-          <a:blip r:embed="rId3"/>
-          <a:srcRect/>
-          <a:stretch>
-            <a:fillRect/>
-          </a:stretch>
-        </p:blipFill>
-        <p:spPr>
-          <a:xfrm>
-            <a:off x="15919" y="6237312"/>
-            <a:ext cx="1944216" cy="504056"/>
-          </a:xfrm>
-          <a:prstGeom prst="rect">
-            <a:avLst/>
-          </a:prstGeom>
-          <a:noFill/>
-          <a:ln w="9525">
-            <a:noFill/>
-            <a:miter lim="800000"/>
-            <a:headEnd/>
-            <a:tailEnd/>
-          </a:ln>
-        </p:spPr>
-      </p:pic>
-      <p:pic>
-        <p:nvPicPr>
           <p:cNvPr id="3" name="内容占位符 2"/>
           <p:cNvPicPr>
             <a:picLocks noGrp="1" noChangeAspect="1"/>
@@ -5582,7 +5372,7 @@
           </p:nvPr>
         </p:nvPicPr>
         <p:blipFill>
-          <a:blip r:embed="rId4">
+          <a:blip r:embed="rId3">
             <a:extLst>
               <a:ext uri="{28A0092B-C50C-407E-A947-70E740481C1C}">
                 <a14:useLocalDpi xmlns:a14="http://schemas.microsoft.com/office/drawing/2010/main" val="0"/>
@@ -6032,36 +5822,6 @@
           </a:p>
         </p:txBody>
       </p:sp>
-      <p:pic>
-        <p:nvPicPr>
-          <p:cNvPr id="63" name="图片框 1025"/>
-          <p:cNvPicPr/>
-          <p:nvPr/>
-        </p:nvPicPr>
-        <p:blipFill>
-          <a:blip r:embed="rId3"/>
-          <a:srcRect/>
-          <a:stretch>
-            <a:fillRect/>
-          </a:stretch>
-        </p:blipFill>
-        <p:spPr>
-          <a:xfrm>
-            <a:off x="15919" y="6237312"/>
-            <a:ext cx="1944216" cy="504056"/>
-          </a:xfrm>
-          <a:prstGeom prst="rect">
-            <a:avLst/>
-          </a:prstGeom>
-          <a:noFill/>
-          <a:ln w="9525">
-            <a:noFill/>
-            <a:miter lim="800000"/>
-            <a:headEnd/>
-            <a:tailEnd/>
-          </a:ln>
-        </p:spPr>
-      </p:pic>
     </p:spTree>
     <p:extLst>
       <p:ext uri="{BB962C8B-B14F-4D97-AF65-F5344CB8AC3E}">
@@ -6463,36 +6223,6 @@
           </a:p>
         </p:txBody>
       </p:sp>
-      <p:pic>
-        <p:nvPicPr>
-          <p:cNvPr id="63" name="图片框 1025"/>
-          <p:cNvPicPr/>
-          <p:nvPr/>
-        </p:nvPicPr>
-        <p:blipFill>
-          <a:blip r:embed="rId3"/>
-          <a:srcRect/>
-          <a:stretch>
-            <a:fillRect/>
-          </a:stretch>
-        </p:blipFill>
-        <p:spPr>
-          <a:xfrm>
-            <a:off x="15919" y="6237312"/>
-            <a:ext cx="1944216" cy="504056"/>
-          </a:xfrm>
-          <a:prstGeom prst="rect">
-            <a:avLst/>
-          </a:prstGeom>
-          <a:noFill/>
-          <a:ln w="9525">
-            <a:noFill/>
-            <a:miter lim="800000"/>
-            <a:headEnd/>
-            <a:tailEnd/>
-          </a:ln>
-        </p:spPr>
-      </p:pic>
     </p:spTree>
     <p:extLst>
       <p:ext uri="{BB962C8B-B14F-4D97-AF65-F5344CB8AC3E}">
@@ -6883,36 +6613,6 @@
           </a:p>
         </p:txBody>
       </p:sp>
-      <p:pic>
-        <p:nvPicPr>
-          <p:cNvPr id="63" name="图片框 1025"/>
-          <p:cNvPicPr/>
-          <p:nvPr/>
-        </p:nvPicPr>
-        <p:blipFill>
-          <a:blip r:embed="rId3"/>
-          <a:srcRect/>
-          <a:stretch>
-            <a:fillRect/>
-          </a:stretch>
-        </p:blipFill>
-        <p:spPr>
-          <a:xfrm>
-            <a:off x="15919" y="6237312"/>
-            <a:ext cx="1944216" cy="504056"/>
-          </a:xfrm>
-          <a:prstGeom prst="rect">
-            <a:avLst/>
-          </a:prstGeom>
-          <a:noFill/>
-          <a:ln w="9525">
-            <a:noFill/>
-            <a:miter lim="800000"/>
-            <a:headEnd/>
-            <a:tailEnd/>
-          </a:ln>
-        </p:spPr>
-      </p:pic>
     </p:spTree>
     <p:extLst>
       <p:ext uri="{BB962C8B-B14F-4D97-AF65-F5344CB8AC3E}">
@@ -7342,36 +7042,6 @@
           </a:p>
         </p:txBody>
       </p:sp>
-      <p:pic>
-        <p:nvPicPr>
-          <p:cNvPr id="63" name="图片框 1025"/>
-          <p:cNvPicPr/>
-          <p:nvPr/>
-        </p:nvPicPr>
-        <p:blipFill>
-          <a:blip r:embed="rId3"/>
-          <a:srcRect/>
-          <a:stretch>
-            <a:fillRect/>
-          </a:stretch>
-        </p:blipFill>
-        <p:spPr>
-          <a:xfrm>
-            <a:off x="15919" y="6237312"/>
-            <a:ext cx="1944216" cy="504056"/>
-          </a:xfrm>
-          <a:prstGeom prst="rect">
-            <a:avLst/>
-          </a:prstGeom>
-          <a:noFill/>
-          <a:ln w="9525">
-            <a:noFill/>
-            <a:miter lim="800000"/>
-            <a:headEnd/>
-            <a:tailEnd/>
-          </a:ln>
-        </p:spPr>
-      </p:pic>
     </p:spTree>
     <p:extLst>
       <p:ext uri="{BB962C8B-B14F-4D97-AF65-F5344CB8AC3E}">
@@ -12358,36 +12028,6 @@
           </p:sp>
         </p:grpSp>
       </p:grpSp>
-      <p:pic>
-        <p:nvPicPr>
-          <p:cNvPr id="67" name="图片框 1025"/>
-          <p:cNvPicPr/>
-          <p:nvPr/>
-        </p:nvPicPr>
-        <p:blipFill>
-          <a:blip r:embed="rId6"/>
-          <a:srcRect/>
-          <a:stretch>
-            <a:fillRect/>
-          </a:stretch>
-        </p:blipFill>
-        <p:spPr>
-          <a:xfrm>
-            <a:off x="15919" y="6237312"/>
-            <a:ext cx="1944216" cy="504056"/>
-          </a:xfrm>
-          <a:prstGeom prst="rect">
-            <a:avLst/>
-          </a:prstGeom>
-          <a:noFill/>
-          <a:ln w="9525">
-            <a:noFill/>
-            <a:miter lim="800000"/>
-            <a:headEnd/>
-            <a:tailEnd/>
-          </a:ln>
-        </p:spPr>
-      </p:pic>
     </p:spTree>
     <p:extLst>
       <p:ext uri="{BB962C8B-B14F-4D97-AF65-F5344CB8AC3E}">
@@ -13193,36 +12833,6 @@
           </a:p>
         </p:txBody>
       </p:sp>
-      <p:pic>
-        <p:nvPicPr>
-          <p:cNvPr id="63" name="图片框 1025"/>
-          <p:cNvPicPr/>
-          <p:nvPr/>
-        </p:nvPicPr>
-        <p:blipFill>
-          <a:blip r:embed="rId3"/>
-          <a:srcRect/>
-          <a:stretch>
-            <a:fillRect/>
-          </a:stretch>
-        </p:blipFill>
-        <p:spPr>
-          <a:xfrm>
-            <a:off x="15919" y="6237312"/>
-            <a:ext cx="1944216" cy="504056"/>
-          </a:xfrm>
-          <a:prstGeom prst="rect">
-            <a:avLst/>
-          </a:prstGeom>
-          <a:noFill/>
-          <a:ln w="9525">
-            <a:noFill/>
-            <a:miter lim="800000"/>
-            <a:headEnd/>
-            <a:tailEnd/>
-          </a:ln>
-        </p:spPr>
-      </p:pic>
     </p:spTree>
     <p:extLst>
       <p:ext uri="{BB962C8B-B14F-4D97-AF65-F5344CB8AC3E}">
@@ -13522,36 +13132,6 @@
           </a:p>
         </p:txBody>
       </p:sp>
-      <p:pic>
-        <p:nvPicPr>
-          <p:cNvPr id="63" name="图片框 1025"/>
-          <p:cNvPicPr/>
-          <p:nvPr/>
-        </p:nvPicPr>
-        <p:blipFill>
-          <a:blip r:embed="rId3"/>
-          <a:srcRect/>
-          <a:stretch>
-            <a:fillRect/>
-          </a:stretch>
-        </p:blipFill>
-        <p:spPr>
-          <a:xfrm>
-            <a:off x="15919" y="6237312"/>
-            <a:ext cx="1944216" cy="504056"/>
-          </a:xfrm>
-          <a:prstGeom prst="rect">
-            <a:avLst/>
-          </a:prstGeom>
-          <a:noFill/>
-          <a:ln w="9525">
-            <a:noFill/>
-            <a:miter lim="800000"/>
-            <a:headEnd/>
-            <a:tailEnd/>
-          </a:ln>
-        </p:spPr>
-      </p:pic>
     </p:spTree>
     <p:extLst>
       <p:ext uri="{BB962C8B-B14F-4D97-AF65-F5344CB8AC3E}">
@@ -13894,36 +13474,6 @@
           </a:p>
         </p:txBody>
       </p:sp>
-      <p:pic>
-        <p:nvPicPr>
-          <p:cNvPr id="63" name="图片框 1025"/>
-          <p:cNvPicPr/>
-          <p:nvPr/>
-        </p:nvPicPr>
-        <p:blipFill>
-          <a:blip r:embed="rId3"/>
-          <a:srcRect/>
-          <a:stretch>
-            <a:fillRect/>
-          </a:stretch>
-        </p:blipFill>
-        <p:spPr>
-          <a:xfrm>
-            <a:off x="15919" y="6237312"/>
-            <a:ext cx="1944216" cy="504056"/>
-          </a:xfrm>
-          <a:prstGeom prst="rect">
-            <a:avLst/>
-          </a:prstGeom>
-          <a:noFill/>
-          <a:ln w="9525">
-            <a:noFill/>
-            <a:miter lim="800000"/>
-            <a:headEnd/>
-            <a:tailEnd/>
-          </a:ln>
-        </p:spPr>
-      </p:pic>
     </p:spTree>
     <p:extLst>
       <p:ext uri="{BB962C8B-B14F-4D97-AF65-F5344CB8AC3E}">
@@ -14134,36 +13684,6 @@
       </p:sp>
       <p:pic>
         <p:nvPicPr>
-          <p:cNvPr id="63" name="图片框 1025"/>
-          <p:cNvPicPr/>
-          <p:nvPr/>
-        </p:nvPicPr>
-        <p:blipFill>
-          <a:blip r:embed="rId3"/>
-          <a:srcRect/>
-          <a:stretch>
-            <a:fillRect/>
-          </a:stretch>
-        </p:blipFill>
-        <p:spPr>
-          <a:xfrm>
-            <a:off x="15919" y="6237312"/>
-            <a:ext cx="1944216" cy="504056"/>
-          </a:xfrm>
-          <a:prstGeom prst="rect">
-            <a:avLst/>
-          </a:prstGeom>
-          <a:noFill/>
-          <a:ln w="9525">
-            <a:noFill/>
-            <a:miter lim="800000"/>
-            <a:headEnd/>
-            <a:tailEnd/>
-          </a:ln>
-        </p:spPr>
-      </p:pic>
-      <p:pic>
-        <p:nvPicPr>
           <p:cNvPr id="5" name="内容占位符 4"/>
           <p:cNvPicPr>
             <a:picLocks noGrp="1" noChangeAspect="1"/>
@@ -14173,7 +13693,7 @@
           </p:nvPr>
         </p:nvPicPr>
         <p:blipFill>
-          <a:blip r:embed="rId4">
+          <a:blip r:embed="rId3">
             <a:extLst>
               <a:ext uri="{28A0092B-C50C-407E-A947-70E740481C1C}">
                 <a14:useLocalDpi xmlns:a14="http://schemas.microsoft.com/office/drawing/2010/main" val="0"/>
@@ -14587,36 +14107,6 @@
           </a:p>
         </p:txBody>
       </p:sp>
-      <p:pic>
-        <p:nvPicPr>
-          <p:cNvPr id="63" name="图片框 1025"/>
-          <p:cNvPicPr/>
-          <p:nvPr/>
-        </p:nvPicPr>
-        <p:blipFill>
-          <a:blip r:embed="rId3"/>
-          <a:srcRect/>
-          <a:stretch>
-            <a:fillRect/>
-          </a:stretch>
-        </p:blipFill>
-        <p:spPr>
-          <a:xfrm>
-            <a:off x="15919" y="6237312"/>
-            <a:ext cx="1944216" cy="504056"/>
-          </a:xfrm>
-          <a:prstGeom prst="rect">
-            <a:avLst/>
-          </a:prstGeom>
-          <a:noFill/>
-          <a:ln w="9525">
-            <a:noFill/>
-            <a:miter lim="800000"/>
-            <a:headEnd/>
-            <a:tailEnd/>
-          </a:ln>
-        </p:spPr>
-      </p:pic>
     </p:spTree>
     <p:extLst>
       <p:ext uri="{BB962C8B-B14F-4D97-AF65-F5344CB8AC3E}">
@@ -14832,36 +14322,6 @@
           </a:p>
         </p:txBody>
       </p:sp>
-      <p:pic>
-        <p:nvPicPr>
-          <p:cNvPr id="63" name="图片框 1025"/>
-          <p:cNvPicPr/>
-          <p:nvPr/>
-        </p:nvPicPr>
-        <p:blipFill>
-          <a:blip r:embed="rId3"/>
-          <a:srcRect/>
-          <a:stretch>
-            <a:fillRect/>
-          </a:stretch>
-        </p:blipFill>
-        <p:spPr>
-          <a:xfrm>
-            <a:off x="15919" y="6237312"/>
-            <a:ext cx="1944216" cy="504056"/>
-          </a:xfrm>
-          <a:prstGeom prst="rect">
-            <a:avLst/>
-          </a:prstGeom>
-          <a:noFill/>
-          <a:ln w="9525">
-            <a:noFill/>
-            <a:miter lim="800000"/>
-            <a:headEnd/>
-            <a:tailEnd/>
-          </a:ln>
-        </p:spPr>
-      </p:pic>
       <p:graphicFrame>
         <p:nvGraphicFramePr>
           <p:cNvPr id="6" name="内容占位符 5"/>
@@ -15454,36 +14914,6 @@
       </p:sp>
       <p:pic>
         <p:nvPicPr>
-          <p:cNvPr id="63" name="图片框 1025"/>
-          <p:cNvPicPr/>
-          <p:nvPr/>
-        </p:nvPicPr>
-        <p:blipFill>
-          <a:blip r:embed="rId3"/>
-          <a:srcRect/>
-          <a:stretch>
-            <a:fillRect/>
-          </a:stretch>
-        </p:blipFill>
-        <p:spPr>
-          <a:xfrm>
-            <a:off x="15919" y="6237312"/>
-            <a:ext cx="1944216" cy="504056"/>
-          </a:xfrm>
-          <a:prstGeom prst="rect">
-            <a:avLst/>
-          </a:prstGeom>
-          <a:noFill/>
-          <a:ln w="9525">
-            <a:noFill/>
-            <a:miter lim="800000"/>
-            <a:headEnd/>
-            <a:tailEnd/>
-          </a:ln>
-        </p:spPr>
-      </p:pic>
-      <p:pic>
-        <p:nvPicPr>
           <p:cNvPr id="3" name="内容占位符 2"/>
           <p:cNvPicPr>
             <a:picLocks noGrp="1" noChangeAspect="1"/>
@@ -15493,7 +14923,7 @@
           </p:nvPr>
         </p:nvPicPr>
         <p:blipFill>
-          <a:blip r:embed="rId4">
+          <a:blip r:embed="rId3">
             <a:extLst>
               <a:ext uri="{28A0092B-C50C-407E-A947-70E740481C1C}">
                 <a14:useLocalDpi xmlns:a14="http://schemas.microsoft.com/office/drawing/2010/main" val="0"/>
@@ -15748,36 +15178,6 @@
       </p:sp>
       <p:pic>
         <p:nvPicPr>
-          <p:cNvPr id="63" name="图片框 1025"/>
-          <p:cNvPicPr/>
-          <p:nvPr/>
-        </p:nvPicPr>
-        <p:blipFill>
-          <a:blip r:embed="rId3"/>
-          <a:srcRect/>
-          <a:stretch>
-            <a:fillRect/>
-          </a:stretch>
-        </p:blipFill>
-        <p:spPr>
-          <a:xfrm>
-            <a:off x="15919" y="6237312"/>
-            <a:ext cx="1944216" cy="504056"/>
-          </a:xfrm>
-          <a:prstGeom prst="rect">
-            <a:avLst/>
-          </a:prstGeom>
-          <a:noFill/>
-          <a:ln w="9525">
-            <a:noFill/>
-            <a:miter lim="800000"/>
-            <a:headEnd/>
-            <a:tailEnd/>
-          </a:ln>
-        </p:spPr>
-      </p:pic>
-      <p:pic>
-        <p:nvPicPr>
           <p:cNvPr id="3" name="内容占位符 2"/>
           <p:cNvPicPr>
             <a:picLocks noGrp="1" noChangeAspect="1"/>
@@ -15787,7 +15187,7 @@
           </p:nvPr>
         </p:nvPicPr>
         <p:blipFill>
-          <a:blip r:embed="rId4">
+          <a:blip r:embed="rId3">
             <a:extLst>
               <a:ext uri="{28A0092B-C50C-407E-A947-70E740481C1C}">
                 <a14:useLocalDpi xmlns:a14="http://schemas.microsoft.com/office/drawing/2010/main" val="0"/>
@@ -16062,36 +15462,6 @@
       </p:sp>
       <p:pic>
         <p:nvPicPr>
-          <p:cNvPr id="63" name="图片框 1025"/>
-          <p:cNvPicPr/>
-          <p:nvPr/>
-        </p:nvPicPr>
-        <p:blipFill>
-          <a:blip r:embed="rId3"/>
-          <a:srcRect/>
-          <a:stretch>
-            <a:fillRect/>
-          </a:stretch>
-        </p:blipFill>
-        <p:spPr>
-          <a:xfrm>
-            <a:off x="15919" y="6237312"/>
-            <a:ext cx="1944216" cy="504056"/>
-          </a:xfrm>
-          <a:prstGeom prst="rect">
-            <a:avLst/>
-          </a:prstGeom>
-          <a:noFill/>
-          <a:ln w="9525">
-            <a:noFill/>
-            <a:miter lim="800000"/>
-            <a:headEnd/>
-            <a:tailEnd/>
-          </a:ln>
-        </p:spPr>
-      </p:pic>
-      <p:pic>
-        <p:nvPicPr>
           <p:cNvPr id="3" name="内容占位符 2"/>
           <p:cNvPicPr>
             <a:picLocks noGrp="1" noChangeAspect="1"/>
@@ -16101,7 +15471,7 @@
           </p:nvPr>
         </p:nvPicPr>
         <p:blipFill>
-          <a:blip r:embed="rId4">
+          <a:blip r:embed="rId3">
             <a:extLst>
               <a:ext uri="{28A0092B-C50C-407E-A947-70E740481C1C}">
                 <a14:useLocalDpi xmlns:a14="http://schemas.microsoft.com/office/drawing/2010/main" val="0"/>
@@ -16366,36 +15736,6 @@
       </p:sp>
       <p:pic>
         <p:nvPicPr>
-          <p:cNvPr id="63" name="图片框 1025"/>
-          <p:cNvPicPr/>
-          <p:nvPr/>
-        </p:nvPicPr>
-        <p:blipFill>
-          <a:blip r:embed="rId3"/>
-          <a:srcRect/>
-          <a:stretch>
-            <a:fillRect/>
-          </a:stretch>
-        </p:blipFill>
-        <p:spPr>
-          <a:xfrm>
-            <a:off x="15919" y="6237312"/>
-            <a:ext cx="1944216" cy="504056"/>
-          </a:xfrm>
-          <a:prstGeom prst="rect">
-            <a:avLst/>
-          </a:prstGeom>
-          <a:noFill/>
-          <a:ln w="9525">
-            <a:noFill/>
-            <a:miter lim="800000"/>
-            <a:headEnd/>
-            <a:tailEnd/>
-          </a:ln>
-        </p:spPr>
-      </p:pic>
-      <p:pic>
-        <p:nvPicPr>
           <p:cNvPr id="5" name="内容占位符 4"/>
           <p:cNvPicPr>
             <a:picLocks noGrp="1" noChangeAspect="1"/>
@@ -16405,7 +15745,7 @@
           </p:nvPr>
         </p:nvPicPr>
         <p:blipFill>
-          <a:blip r:embed="rId4">
+          <a:blip r:embed="rId3">
             <a:extLst>
               <a:ext uri="{28A0092B-C50C-407E-A947-70E740481C1C}">
                 <a14:useLocalDpi xmlns:a14="http://schemas.microsoft.com/office/drawing/2010/main" val="0"/>
@@ -16848,36 +16188,6 @@
           </a:p>
         </p:txBody>
       </p:sp>
-      <p:pic>
-        <p:nvPicPr>
-          <p:cNvPr id="63" name="图片框 1025"/>
-          <p:cNvPicPr/>
-          <p:nvPr/>
-        </p:nvPicPr>
-        <p:blipFill>
-          <a:blip r:embed="rId3"/>
-          <a:srcRect/>
-          <a:stretch>
-            <a:fillRect/>
-          </a:stretch>
-        </p:blipFill>
-        <p:spPr>
-          <a:xfrm>
-            <a:off x="15919" y="6237312"/>
-            <a:ext cx="1944216" cy="504056"/>
-          </a:xfrm>
-          <a:prstGeom prst="rect">
-            <a:avLst/>
-          </a:prstGeom>
-          <a:noFill/>
-          <a:ln w="9525">
-            <a:noFill/>
-            <a:miter lim="800000"/>
-            <a:headEnd/>
-            <a:tailEnd/>
-          </a:ln>
-        </p:spPr>
-      </p:pic>
     </p:spTree>
     <p:extLst>
       <p:ext uri="{BB962C8B-B14F-4D97-AF65-F5344CB8AC3E}">
@@ -17115,36 +16425,6 @@
       </p:sp>
       <p:pic>
         <p:nvPicPr>
-          <p:cNvPr id="63" name="图片框 1025"/>
-          <p:cNvPicPr/>
-          <p:nvPr/>
-        </p:nvPicPr>
-        <p:blipFill>
-          <a:blip r:embed="rId3"/>
-          <a:srcRect/>
-          <a:stretch>
-            <a:fillRect/>
-          </a:stretch>
-        </p:blipFill>
-        <p:spPr>
-          <a:xfrm>
-            <a:off x="15919" y="6237312"/>
-            <a:ext cx="1944216" cy="504056"/>
-          </a:xfrm>
-          <a:prstGeom prst="rect">
-            <a:avLst/>
-          </a:prstGeom>
-          <a:noFill/>
-          <a:ln w="9525">
-            <a:noFill/>
-            <a:miter lim="800000"/>
-            <a:headEnd/>
-            <a:tailEnd/>
-          </a:ln>
-        </p:spPr>
-      </p:pic>
-      <p:pic>
-        <p:nvPicPr>
           <p:cNvPr id="3" name="内容占位符 2"/>
           <p:cNvPicPr>
             <a:picLocks noGrp="1" noChangeAspect="1"/>
@@ -17154,7 +16434,7 @@
           </p:nvPr>
         </p:nvPicPr>
         <p:blipFill>
-          <a:blip r:embed="rId4">
+          <a:blip r:embed="rId3">
             <a:extLst>
               <a:ext uri="{28A0092B-C50C-407E-A947-70E740481C1C}">
                 <a14:useLocalDpi xmlns:a14="http://schemas.microsoft.com/office/drawing/2010/main" val="0"/>
@@ -17429,36 +16709,6 @@
       </p:sp>
       <p:pic>
         <p:nvPicPr>
-          <p:cNvPr id="63" name="图片框 1025"/>
-          <p:cNvPicPr/>
-          <p:nvPr/>
-        </p:nvPicPr>
-        <p:blipFill>
-          <a:blip r:embed="rId3"/>
-          <a:srcRect/>
-          <a:stretch>
-            <a:fillRect/>
-          </a:stretch>
-        </p:blipFill>
-        <p:spPr>
-          <a:xfrm>
-            <a:off x="15919" y="6237312"/>
-            <a:ext cx="1944216" cy="504056"/>
-          </a:xfrm>
-          <a:prstGeom prst="rect">
-            <a:avLst/>
-          </a:prstGeom>
-          <a:noFill/>
-          <a:ln w="9525">
-            <a:noFill/>
-            <a:miter lim="800000"/>
-            <a:headEnd/>
-            <a:tailEnd/>
-          </a:ln>
-        </p:spPr>
-      </p:pic>
-      <p:pic>
-        <p:nvPicPr>
           <p:cNvPr id="5" name="内容占位符 4"/>
           <p:cNvPicPr>
             <a:picLocks noGrp="1" noChangeAspect="1"/>
@@ -17468,7 +16718,7 @@
           </p:nvPr>
         </p:nvPicPr>
         <p:blipFill>
-          <a:blip r:embed="rId4">
+          <a:blip r:embed="rId3">
             <a:extLst>
               <a:ext uri="{28A0092B-C50C-407E-A947-70E740481C1C}">
                 <a14:useLocalDpi xmlns:a14="http://schemas.microsoft.com/office/drawing/2010/main" val="0"/>
@@ -17743,36 +16993,6 @@
       </p:sp>
       <p:pic>
         <p:nvPicPr>
-          <p:cNvPr id="63" name="图片框 1025"/>
-          <p:cNvPicPr/>
-          <p:nvPr/>
-        </p:nvPicPr>
-        <p:blipFill>
-          <a:blip r:embed="rId3"/>
-          <a:srcRect/>
-          <a:stretch>
-            <a:fillRect/>
-          </a:stretch>
-        </p:blipFill>
-        <p:spPr>
-          <a:xfrm>
-            <a:off x="15919" y="6237312"/>
-            <a:ext cx="1944216" cy="504056"/>
-          </a:xfrm>
-          <a:prstGeom prst="rect">
-            <a:avLst/>
-          </a:prstGeom>
-          <a:noFill/>
-          <a:ln w="9525">
-            <a:noFill/>
-            <a:miter lim="800000"/>
-            <a:headEnd/>
-            <a:tailEnd/>
-          </a:ln>
-        </p:spPr>
-      </p:pic>
-      <p:pic>
-        <p:nvPicPr>
           <p:cNvPr id="3" name="内容占位符 2"/>
           <p:cNvPicPr>
             <a:picLocks noGrp="1" noChangeAspect="1"/>
@@ -17782,7 +17002,7 @@
           </p:nvPr>
         </p:nvPicPr>
         <p:blipFill>
-          <a:blip r:embed="rId4">
+          <a:blip r:embed="rId3">
             <a:extLst>
               <a:ext uri="{28A0092B-C50C-407E-A947-70E740481C1C}">
                 <a14:useLocalDpi xmlns:a14="http://schemas.microsoft.com/office/drawing/2010/main" val="0"/>
@@ -18017,36 +17237,6 @@
       </p:sp>
       <p:pic>
         <p:nvPicPr>
-          <p:cNvPr id="63" name="图片框 1025"/>
-          <p:cNvPicPr/>
-          <p:nvPr/>
-        </p:nvPicPr>
-        <p:blipFill>
-          <a:blip r:embed="rId3"/>
-          <a:srcRect/>
-          <a:stretch>
-            <a:fillRect/>
-          </a:stretch>
-        </p:blipFill>
-        <p:spPr>
-          <a:xfrm>
-            <a:off x="15919" y="6237312"/>
-            <a:ext cx="1944216" cy="504056"/>
-          </a:xfrm>
-          <a:prstGeom prst="rect">
-            <a:avLst/>
-          </a:prstGeom>
-          <a:noFill/>
-          <a:ln w="9525">
-            <a:noFill/>
-            <a:miter lim="800000"/>
-            <a:headEnd/>
-            <a:tailEnd/>
-          </a:ln>
-        </p:spPr>
-      </p:pic>
-      <p:pic>
-        <p:nvPicPr>
           <p:cNvPr id="5" name="内容占位符 4"/>
           <p:cNvPicPr>
             <a:picLocks noGrp="1" noChangeAspect="1"/>
@@ -18056,7 +17246,7 @@
           </p:nvPr>
         </p:nvPicPr>
         <p:blipFill>
-          <a:blip r:embed="rId4">
+          <a:blip r:embed="rId3">
             <a:extLst>
               <a:ext uri="{28A0092B-C50C-407E-A947-70E740481C1C}">
                 <a14:useLocalDpi xmlns:a14="http://schemas.microsoft.com/office/drawing/2010/main" val="0"/>
@@ -18291,36 +17481,6 @@
       </p:sp>
       <p:pic>
         <p:nvPicPr>
-          <p:cNvPr id="63" name="图片框 1025"/>
-          <p:cNvPicPr/>
-          <p:nvPr/>
-        </p:nvPicPr>
-        <p:blipFill>
-          <a:blip r:embed="rId3"/>
-          <a:srcRect/>
-          <a:stretch>
-            <a:fillRect/>
-          </a:stretch>
-        </p:blipFill>
-        <p:spPr>
-          <a:xfrm>
-            <a:off x="15919" y="6237312"/>
-            <a:ext cx="1944216" cy="504056"/>
-          </a:xfrm>
-          <a:prstGeom prst="rect">
-            <a:avLst/>
-          </a:prstGeom>
-          <a:noFill/>
-          <a:ln w="9525">
-            <a:noFill/>
-            <a:miter lim="800000"/>
-            <a:headEnd/>
-            <a:tailEnd/>
-          </a:ln>
-        </p:spPr>
-      </p:pic>
-      <p:pic>
-        <p:nvPicPr>
           <p:cNvPr id="7" name="内容占位符 6"/>
           <p:cNvPicPr>
             <a:picLocks noGrp="1" noChangeAspect="1"/>
@@ -18330,7 +17490,7 @@
           </p:nvPr>
         </p:nvPicPr>
         <p:blipFill>
-          <a:blip r:embed="rId4">
+          <a:blip r:embed="rId3">
             <a:extLst>
               <a:ext uri="{28A0092B-C50C-407E-A947-70E740481C1C}">
                 <a14:useLocalDpi xmlns:a14="http://schemas.microsoft.com/office/drawing/2010/main" val="0"/>
@@ -18565,36 +17725,6 @@
       </p:sp>
       <p:pic>
         <p:nvPicPr>
-          <p:cNvPr id="63" name="图片框 1025"/>
-          <p:cNvPicPr/>
-          <p:nvPr/>
-        </p:nvPicPr>
-        <p:blipFill>
-          <a:blip r:embed="rId3"/>
-          <a:srcRect/>
-          <a:stretch>
-            <a:fillRect/>
-          </a:stretch>
-        </p:blipFill>
-        <p:spPr>
-          <a:xfrm>
-            <a:off x="15919" y="6237312"/>
-            <a:ext cx="1944216" cy="504056"/>
-          </a:xfrm>
-          <a:prstGeom prst="rect">
-            <a:avLst/>
-          </a:prstGeom>
-          <a:noFill/>
-          <a:ln w="9525">
-            <a:noFill/>
-            <a:miter lim="800000"/>
-            <a:headEnd/>
-            <a:tailEnd/>
-          </a:ln>
-        </p:spPr>
-      </p:pic>
-      <p:pic>
-        <p:nvPicPr>
           <p:cNvPr id="5" name="内容占位符 4"/>
           <p:cNvPicPr>
             <a:picLocks noGrp="1" noChangeAspect="1"/>
@@ -18604,7 +17734,7 @@
           </p:nvPr>
         </p:nvPicPr>
         <p:blipFill>
-          <a:blip r:embed="rId4">
+          <a:blip r:embed="rId3">
             <a:extLst>
               <a:ext uri="{28A0092B-C50C-407E-A947-70E740481C1C}">
                 <a14:useLocalDpi xmlns:a14="http://schemas.microsoft.com/office/drawing/2010/main" val="0"/>
@@ -18861,11 +17991,7 @@
           <a:p>
             <a:r>
               <a:rPr lang="zh-CN" altLang="en-US" sz="2400" dirty="0" smtClean="0"/>
-              <a:t>异常</a:t>
-            </a:r>
-            <a:r>
-              <a:rPr lang="zh-CN" altLang="en-US" sz="2400" dirty="0" smtClean="0"/>
-              <a:t>预警</a:t>
+              <a:t>异常预警</a:t>
             </a:r>
             <a:endParaRPr lang="en-US" altLang="zh-CN" sz="2400" dirty="0" smtClean="0"/>
           </a:p>
@@ -18924,36 +18050,6 @@
           </a:p>
         </p:txBody>
       </p:sp>
-      <p:pic>
-        <p:nvPicPr>
-          <p:cNvPr id="63" name="图片框 1025"/>
-          <p:cNvPicPr/>
-          <p:nvPr/>
-        </p:nvPicPr>
-        <p:blipFill>
-          <a:blip r:embed="rId3"/>
-          <a:srcRect/>
-          <a:stretch>
-            <a:fillRect/>
-          </a:stretch>
-        </p:blipFill>
-        <p:spPr>
-          <a:xfrm>
-            <a:off x="15919" y="6237312"/>
-            <a:ext cx="1944216" cy="504056"/>
-          </a:xfrm>
-          <a:prstGeom prst="rect">
-            <a:avLst/>
-          </a:prstGeom>
-          <a:noFill/>
-          <a:ln w="9525">
-            <a:noFill/>
-            <a:miter lim="800000"/>
-            <a:headEnd/>
-            <a:tailEnd/>
-          </a:ln>
-        </p:spPr>
-      </p:pic>
     </p:spTree>
     <p:extLst>
       <p:ext uri="{BB962C8B-B14F-4D97-AF65-F5344CB8AC3E}">
@@ -19392,36 +18488,6 @@
           </a:p>
         </p:txBody>
       </p:sp>
-      <p:pic>
-        <p:nvPicPr>
-          <p:cNvPr id="63" name="图片框 1025"/>
-          <p:cNvPicPr/>
-          <p:nvPr/>
-        </p:nvPicPr>
-        <p:blipFill>
-          <a:blip r:embed="rId8"/>
-          <a:srcRect/>
-          <a:stretch>
-            <a:fillRect/>
-          </a:stretch>
-        </p:blipFill>
-        <p:spPr>
-          <a:xfrm>
-            <a:off x="15919" y="6237312"/>
-            <a:ext cx="1944216" cy="504056"/>
-          </a:xfrm>
-          <a:prstGeom prst="rect">
-            <a:avLst/>
-          </a:prstGeom>
-          <a:noFill/>
-          <a:ln w="9525">
-            <a:noFill/>
-            <a:miter lim="800000"/>
-            <a:headEnd/>
-            <a:tailEnd/>
-          </a:ln>
-        </p:spPr>
-      </p:pic>
     </p:spTree>
     <p:extLst>
       <p:ext uri="{BB962C8B-B14F-4D97-AF65-F5344CB8AC3E}">
@@ -19630,36 +18696,6 @@
           </a:p>
         </p:txBody>
       </p:sp>
-      <p:pic>
-        <p:nvPicPr>
-          <p:cNvPr id="63" name="图片框 1025"/>
-          <p:cNvPicPr/>
-          <p:nvPr/>
-        </p:nvPicPr>
-        <p:blipFill>
-          <a:blip r:embed="rId4"/>
-          <a:srcRect/>
-          <a:stretch>
-            <a:fillRect/>
-          </a:stretch>
-        </p:blipFill>
-        <p:spPr>
-          <a:xfrm>
-            <a:off x="15919" y="6237312"/>
-            <a:ext cx="1944216" cy="504056"/>
-          </a:xfrm>
-          <a:prstGeom prst="rect">
-            <a:avLst/>
-          </a:prstGeom>
-          <a:noFill/>
-          <a:ln w="9525">
-            <a:noFill/>
-            <a:miter lim="800000"/>
-            <a:headEnd/>
-            <a:tailEnd/>
-          </a:ln>
-        </p:spPr>
-      </p:pic>
       <p:sp>
         <p:nvSpPr>
           <p:cNvPr id="6" name="内容占位符 5"/>
@@ -19712,12 +18748,12 @@
           <a:graphicData uri="http://schemas.openxmlformats.org/presentationml/2006/ole">
             <mc:AlternateContent xmlns:mc="http://schemas.openxmlformats.org/markup-compatibility/2006">
               <mc:Choice xmlns:v="urn:schemas-microsoft-com:vml" Requires="v">
-                <p:oleObj spid="_x0000_s1034" name="包装程序外壳对象" showAsIcon="1" r:id="rId5" imgW="1715040" imgH="711360" progId="Package">
+                <p:oleObj spid="_x0000_s1035" name="包装程序外壳对象" showAsIcon="1" r:id="rId4" imgW="1715040" imgH="711360" progId="Package">
                   <p:embed/>
                 </p:oleObj>
               </mc:Choice>
               <mc:Fallback>
-                <p:oleObj name="包装程序外壳对象" showAsIcon="1" r:id="rId5" imgW="1715040" imgH="711360" progId="Package">
+                <p:oleObj name="包装程序外壳对象" showAsIcon="1" r:id="rId4" imgW="1715040" imgH="711360" progId="Package">
                   <p:embed/>
                   <p:pic>
                     <p:nvPicPr>
@@ -19726,7 +18762,7 @@
                       <p:nvPr/>
                     </p:nvPicPr>
                     <p:blipFill>
-                      <a:blip r:embed="rId6"/>
+                      <a:blip r:embed="rId5"/>
                       <a:stretch>
                         <a:fillRect/>
                       </a:stretch>
@@ -26707,36 +25743,6 @@
           </a:p>
         </p:txBody>
       </p:sp>
-      <p:pic>
-        <p:nvPicPr>
-          <p:cNvPr id="63" name="图片框 1025"/>
-          <p:cNvPicPr/>
-          <p:nvPr/>
-        </p:nvPicPr>
-        <p:blipFill>
-          <a:blip r:embed="rId2"/>
-          <a:srcRect/>
-          <a:stretch>
-            <a:fillRect/>
-          </a:stretch>
-        </p:blipFill>
-        <p:spPr>
-          <a:xfrm>
-            <a:off x="0" y="6271465"/>
-            <a:ext cx="1944216" cy="504056"/>
-          </a:xfrm>
-          <a:prstGeom prst="rect">
-            <a:avLst/>
-          </a:prstGeom>
-          <a:noFill/>
-          <a:ln w="9525">
-            <a:noFill/>
-            <a:miter lim="800000"/>
-            <a:headEnd/>
-            <a:tailEnd/>
-          </a:ln>
-        </p:spPr>
-      </p:pic>
     </p:spTree>
     <p:extLst>
       <p:ext uri="{BB962C8B-B14F-4D97-AF65-F5344CB8AC3E}">
@@ -30031,36 +29037,6 @@
           </a:fontRef>
         </p:style>
       </p:cxnSp>
-      <p:pic>
-        <p:nvPicPr>
-          <p:cNvPr id="45" name="图片框 1025"/>
-          <p:cNvPicPr/>
-          <p:nvPr/>
-        </p:nvPicPr>
-        <p:blipFill>
-          <a:blip r:embed="rId3"/>
-          <a:srcRect/>
-          <a:stretch>
-            <a:fillRect/>
-          </a:stretch>
-        </p:blipFill>
-        <p:spPr>
-          <a:xfrm>
-            <a:off x="0" y="6206034"/>
-            <a:ext cx="1944216" cy="504056"/>
-          </a:xfrm>
-          <a:prstGeom prst="rect">
-            <a:avLst/>
-          </a:prstGeom>
-          <a:noFill/>
-          <a:ln w="9525">
-            <a:noFill/>
-            <a:miter lim="800000"/>
-            <a:headEnd/>
-            <a:tailEnd/>
-          </a:ln>
-        </p:spPr>
-      </p:pic>
     </p:spTree>
     <p:extLst>
       <p:ext uri="{BB962C8B-B14F-4D97-AF65-F5344CB8AC3E}">
@@ -30793,36 +29769,6 @@
           </a:xfrm>
         </p:spPr>
       </p:pic>
-      <p:pic>
-        <p:nvPicPr>
-          <p:cNvPr id="63" name="图片框 1025"/>
-          <p:cNvPicPr/>
-          <p:nvPr/>
-        </p:nvPicPr>
-        <p:blipFill>
-          <a:blip r:embed="rId4"/>
-          <a:srcRect/>
-          <a:stretch>
-            <a:fillRect/>
-          </a:stretch>
-        </p:blipFill>
-        <p:spPr>
-          <a:xfrm>
-            <a:off x="15919" y="6237312"/>
-            <a:ext cx="1944216" cy="504056"/>
-          </a:xfrm>
-          <a:prstGeom prst="rect">
-            <a:avLst/>
-          </a:prstGeom>
-          <a:noFill/>
-          <a:ln w="9525">
-            <a:noFill/>
-            <a:miter lim="800000"/>
-            <a:headEnd/>
-            <a:tailEnd/>
-          </a:ln>
-        </p:spPr>
-      </p:pic>
     </p:spTree>
     <p:extLst>
       <p:ext uri="{BB962C8B-B14F-4D97-AF65-F5344CB8AC3E}">
@@ -31086,36 +30032,6 @@
       </p:sp>
       <p:pic>
         <p:nvPicPr>
-          <p:cNvPr id="63" name="图片框 1025"/>
-          <p:cNvPicPr/>
-          <p:nvPr/>
-        </p:nvPicPr>
-        <p:blipFill>
-          <a:blip r:embed="rId3"/>
-          <a:srcRect/>
-          <a:stretch>
-            <a:fillRect/>
-          </a:stretch>
-        </p:blipFill>
-        <p:spPr>
-          <a:xfrm>
-            <a:off x="15919" y="6237312"/>
-            <a:ext cx="1944216" cy="504056"/>
-          </a:xfrm>
-          <a:prstGeom prst="rect">
-            <a:avLst/>
-          </a:prstGeom>
-          <a:noFill/>
-          <a:ln w="9525">
-            <a:noFill/>
-            <a:miter lim="800000"/>
-            <a:headEnd/>
-            <a:tailEnd/>
-          </a:ln>
-        </p:spPr>
-      </p:pic>
-      <p:pic>
-        <p:nvPicPr>
           <p:cNvPr id="5" name="内容占位符 4"/>
           <p:cNvPicPr>
             <a:picLocks noGrp="1" noChangeAspect="1"/>
@@ -31125,7 +30041,7 @@
           </p:nvPr>
         </p:nvPicPr>
         <p:blipFill>
-          <a:blip r:embed="rId4">
+          <a:blip r:embed="rId3">
             <a:extLst>
               <a:ext uri="{28A0092B-C50C-407E-A947-70E740481C1C}">
                 <a14:useLocalDpi xmlns:a14="http://schemas.microsoft.com/office/drawing/2010/main" val="0"/>
@@ -31530,36 +30446,6 @@
           </a:p>
         </p:txBody>
       </p:sp>
-      <p:pic>
-        <p:nvPicPr>
-          <p:cNvPr id="63" name="图片框 1025"/>
-          <p:cNvPicPr/>
-          <p:nvPr/>
-        </p:nvPicPr>
-        <p:blipFill>
-          <a:blip r:embed="rId3"/>
-          <a:srcRect/>
-          <a:stretch>
-            <a:fillRect/>
-          </a:stretch>
-        </p:blipFill>
-        <p:spPr>
-          <a:xfrm>
-            <a:off x="15919" y="6237312"/>
-            <a:ext cx="1944216" cy="504056"/>
-          </a:xfrm>
-          <a:prstGeom prst="rect">
-            <a:avLst/>
-          </a:prstGeom>
-          <a:noFill/>
-          <a:ln w="9525">
-            <a:noFill/>
-            <a:miter lim="800000"/>
-            <a:headEnd/>
-            <a:tailEnd/>
-          </a:ln>
-        </p:spPr>
-      </p:pic>
     </p:spTree>
     <p:extLst>
       <p:ext uri="{BB962C8B-B14F-4D97-AF65-F5344CB8AC3E}">
@@ -31797,36 +30683,6 @@
       </p:sp>
       <p:pic>
         <p:nvPicPr>
-          <p:cNvPr id="63" name="图片框 1025"/>
-          <p:cNvPicPr/>
-          <p:nvPr/>
-        </p:nvPicPr>
-        <p:blipFill>
-          <a:blip r:embed="rId3"/>
-          <a:srcRect/>
-          <a:stretch>
-            <a:fillRect/>
-          </a:stretch>
-        </p:blipFill>
-        <p:spPr>
-          <a:xfrm>
-            <a:off x="15919" y="6237312"/>
-            <a:ext cx="1944216" cy="504056"/>
-          </a:xfrm>
-          <a:prstGeom prst="rect">
-            <a:avLst/>
-          </a:prstGeom>
-          <a:noFill/>
-          <a:ln w="9525">
-            <a:noFill/>
-            <a:miter lim="800000"/>
-            <a:headEnd/>
-            <a:tailEnd/>
-          </a:ln>
-        </p:spPr>
-      </p:pic>
-      <p:pic>
-        <p:nvPicPr>
           <p:cNvPr id="7" name="内容占位符 6"/>
           <p:cNvPicPr>
             <a:picLocks noGrp="1" noChangeAspect="1"/>
@@ -31836,7 +30692,7 @@
           </p:nvPr>
         </p:nvPicPr>
         <p:blipFill>
-          <a:blip r:embed="rId4">
+          <a:blip r:embed="rId3">
             <a:extLst>
               <a:ext uri="{28A0092B-C50C-407E-A947-70E740481C1C}">
                 <a14:useLocalDpi xmlns:a14="http://schemas.microsoft.com/office/drawing/2010/main" val="0"/>

--- a/dts-parent/doc/分布式事务系统DTS原理及使用.pptx
+++ b/dts-parent/doc/分布式事务系统DTS原理及使用.pptx
@@ -42,7 +42,6 @@
     <p:sldId id="288" r:id="rId36"/>
     <p:sldId id="289" r:id="rId37"/>
     <p:sldId id="290" r:id="rId38"/>
-    <p:sldId id="306" r:id="rId39"/>
   </p:sldIdLst>
   <p:sldSz cx="9144000" cy="6858000" type="screen4x3"/>
   <p:notesSz cx="6858000" cy="9144000"/>
@@ -183,7 +182,6 @@
             <p14:sldId id="288"/>
             <p14:sldId id="289"/>
             <p14:sldId id="290"/>
-            <p14:sldId id="306"/>
           </p14:sldIdLst>
         </p14:section>
       </p14:sectionLst>
@@ -387,7 +385,7 @@
           <a:p>
             <a:fld id="{530820CF-B880-4189-942D-D702A7CBA730}" type="datetimeFigureOut">
               <a:rPr lang="zh-CN" altLang="en-US" smtClean="0"/>
-              <a:t>2016/12/21</a:t>
+              <a:t>2016/12/23</a:t>
             </a:fld>
             <a:endParaRPr lang="zh-CN" altLang="en-US"/>
           </a:p>
@@ -555,7 +553,7 @@
           <a:p>
             <a:fld id="{530820CF-B880-4189-942D-D702A7CBA730}" type="datetimeFigureOut">
               <a:rPr lang="zh-CN" altLang="en-US" smtClean="0"/>
-              <a:t>2016/12/21</a:t>
+              <a:t>2016/12/23</a:t>
             </a:fld>
             <a:endParaRPr lang="zh-CN" altLang="en-US"/>
           </a:p>
@@ -733,7 +731,7 @@
           <a:p>
             <a:fld id="{530820CF-B880-4189-942D-D702A7CBA730}" type="datetimeFigureOut">
               <a:rPr lang="zh-CN" altLang="en-US" smtClean="0"/>
-              <a:t>2016/12/21</a:t>
+              <a:t>2016/12/23</a:t>
             </a:fld>
             <a:endParaRPr lang="zh-CN" altLang="en-US"/>
           </a:p>
@@ -901,7 +899,7 @@
           <a:p>
             <a:fld id="{530820CF-B880-4189-942D-D702A7CBA730}" type="datetimeFigureOut">
               <a:rPr lang="zh-CN" altLang="en-US" smtClean="0"/>
-              <a:t>2016/12/21</a:t>
+              <a:t>2016/12/23</a:t>
             </a:fld>
             <a:endParaRPr lang="zh-CN" altLang="en-US"/>
           </a:p>
@@ -1145,7 +1143,7 @@
           <a:p>
             <a:fld id="{530820CF-B880-4189-942D-D702A7CBA730}" type="datetimeFigureOut">
               <a:rPr lang="zh-CN" altLang="en-US" smtClean="0"/>
-              <a:t>2016/12/21</a:t>
+              <a:t>2016/12/23</a:t>
             </a:fld>
             <a:endParaRPr lang="zh-CN" altLang="en-US"/>
           </a:p>
@@ -1431,7 +1429,7 @@
           <a:p>
             <a:fld id="{530820CF-B880-4189-942D-D702A7CBA730}" type="datetimeFigureOut">
               <a:rPr lang="zh-CN" altLang="en-US" smtClean="0"/>
-              <a:t>2016/12/21</a:t>
+              <a:t>2016/12/23</a:t>
             </a:fld>
             <a:endParaRPr lang="zh-CN" altLang="en-US"/>
           </a:p>
@@ -1851,7 +1849,7 @@
           <a:p>
             <a:fld id="{530820CF-B880-4189-942D-D702A7CBA730}" type="datetimeFigureOut">
               <a:rPr lang="zh-CN" altLang="en-US" smtClean="0"/>
-              <a:t>2016/12/21</a:t>
+              <a:t>2016/12/23</a:t>
             </a:fld>
             <a:endParaRPr lang="zh-CN" altLang="en-US"/>
           </a:p>
@@ -1967,7 +1965,7 @@
           <a:p>
             <a:fld id="{530820CF-B880-4189-942D-D702A7CBA730}" type="datetimeFigureOut">
               <a:rPr lang="zh-CN" altLang="en-US" smtClean="0"/>
-              <a:t>2016/12/21</a:t>
+              <a:t>2016/12/23</a:t>
             </a:fld>
             <a:endParaRPr lang="zh-CN" altLang="en-US"/>
           </a:p>
@@ -2060,7 +2058,7 @@
           <a:p>
             <a:fld id="{530820CF-B880-4189-942D-D702A7CBA730}" type="datetimeFigureOut">
               <a:rPr lang="zh-CN" altLang="en-US" smtClean="0"/>
-              <a:t>2016/12/21</a:t>
+              <a:t>2016/12/23</a:t>
             </a:fld>
             <a:endParaRPr lang="zh-CN" altLang="en-US"/>
           </a:p>
@@ -2335,7 +2333,7 @@
           <a:p>
             <a:fld id="{530820CF-B880-4189-942D-D702A7CBA730}" type="datetimeFigureOut">
               <a:rPr lang="zh-CN" altLang="en-US" smtClean="0"/>
-              <a:t>2016/12/21</a:t>
+              <a:t>2016/12/23</a:t>
             </a:fld>
             <a:endParaRPr lang="zh-CN" altLang="en-US"/>
           </a:p>
@@ -2586,7 +2584,7 @@
           <a:p>
             <a:fld id="{530820CF-B880-4189-942D-D702A7CBA730}" type="datetimeFigureOut">
               <a:rPr lang="zh-CN" altLang="en-US" smtClean="0"/>
-              <a:t>2016/12/21</a:t>
+              <a:t>2016/12/23</a:t>
             </a:fld>
             <a:endParaRPr lang="zh-CN" altLang="en-US"/>
           </a:p>
@@ -2797,7 +2795,7 @@
           <a:p>
             <a:fld id="{530820CF-B880-4189-942D-D702A7CBA730}" type="datetimeFigureOut">
               <a:rPr lang="zh-CN" altLang="en-US" smtClean="0"/>
-              <a:t>2016/12/21</a:t>
+              <a:t>2016/12/23</a:t>
             </a:fld>
             <a:endParaRPr lang="zh-CN" altLang="en-US"/>
           </a:p>
@@ -14914,7 +14912,7 @@
       </p:sp>
       <p:pic>
         <p:nvPicPr>
-          <p:cNvPr id="3" name="内容占位符 2"/>
+          <p:cNvPr id="5" name="内容占位符 4"/>
           <p:cNvPicPr>
             <a:picLocks noGrp="1" noChangeAspect="1"/>
           </p:cNvPicPr>
@@ -14936,8 +14934,8 @@
         </p:blipFill>
         <p:spPr>
           <a:xfrm>
-            <a:off x="457200" y="2175576"/>
-            <a:ext cx="8229600" cy="3375211"/>
+            <a:off x="457200" y="2470275"/>
+            <a:ext cx="8229600" cy="2785812"/>
           </a:xfrm>
         </p:spPr>
       </p:pic>
@@ -15178,7 +15176,7 @@
       </p:sp>
       <p:pic>
         <p:nvPicPr>
-          <p:cNvPr id="3" name="内容占位符 2"/>
+          <p:cNvPr id="5" name="内容占位符 4"/>
           <p:cNvPicPr>
             <a:picLocks noGrp="1" noChangeAspect="1"/>
           </p:cNvPicPr>
@@ -15200,8 +15198,8 @@
         </p:blipFill>
         <p:spPr>
           <a:xfrm>
-            <a:off x="935623" y="1600200"/>
-            <a:ext cx="7272754" cy="4525963"/>
+            <a:off x="541290" y="1600200"/>
+            <a:ext cx="8061419" cy="4525963"/>
           </a:xfrm>
         </p:spPr>
       </p:pic>
@@ -15462,7 +15460,7 @@
       </p:sp>
       <p:pic>
         <p:nvPicPr>
-          <p:cNvPr id="3" name="内容占位符 2"/>
+          <p:cNvPr id="5" name="内容占位符 4"/>
           <p:cNvPicPr>
             <a:picLocks noGrp="1" noChangeAspect="1"/>
           </p:cNvPicPr>
@@ -15484,8 +15482,8 @@
         </p:blipFill>
         <p:spPr>
           <a:xfrm>
-            <a:off x="457200" y="2083075"/>
-            <a:ext cx="8229600" cy="3560213"/>
+            <a:off x="457200" y="1696965"/>
+            <a:ext cx="8229600" cy="4332433"/>
           </a:xfrm>
         </p:spPr>
       </p:pic>
@@ -15736,7 +15734,7 @@
       </p:sp>
       <p:pic>
         <p:nvPicPr>
-          <p:cNvPr id="5" name="内容占位符 4"/>
+          <p:cNvPr id="3" name="内容占位符 2"/>
           <p:cNvPicPr>
             <a:picLocks noGrp="1" noChangeAspect="1"/>
           </p:cNvPicPr>
@@ -15758,8 +15756,8 @@
         </p:blipFill>
         <p:spPr>
           <a:xfrm>
-            <a:off x="457200" y="2412724"/>
-            <a:ext cx="8229600" cy="2900914"/>
+            <a:off x="457200" y="2060853"/>
+            <a:ext cx="8229600" cy="3604657"/>
           </a:xfrm>
         </p:spPr>
       </p:pic>
@@ -16425,7 +16423,7 @@
       </p:sp>
       <p:pic>
         <p:nvPicPr>
-          <p:cNvPr id="3" name="内容占位符 2"/>
+          <p:cNvPr id="5" name="内容占位符 4"/>
           <p:cNvPicPr>
             <a:picLocks noGrp="1" noChangeAspect="1"/>
           </p:cNvPicPr>
@@ -16447,8 +16445,8 @@
         </p:blipFill>
         <p:spPr>
           <a:xfrm>
-            <a:off x="847342" y="1600200"/>
-            <a:ext cx="7449316" cy="4525963"/>
+            <a:off x="457200" y="1891634"/>
+            <a:ext cx="8229600" cy="3943094"/>
           </a:xfrm>
         </p:spPr>
       </p:pic>
@@ -16709,7 +16707,7 @@
       </p:sp>
       <p:pic>
         <p:nvPicPr>
-          <p:cNvPr id="5" name="内容占位符 4"/>
+          <p:cNvPr id="3" name="内容占位符 2"/>
           <p:cNvPicPr>
             <a:picLocks noGrp="1" noChangeAspect="1"/>
           </p:cNvPicPr>
@@ -16731,8 +16729,8 @@
         </p:blipFill>
         <p:spPr>
           <a:xfrm>
-            <a:off x="457200" y="2391850"/>
-            <a:ext cx="8229600" cy="2942663"/>
+            <a:off x="457200" y="1775074"/>
+            <a:ext cx="8229600" cy="4176214"/>
           </a:xfrm>
         </p:spPr>
       </p:pic>
@@ -17015,8 +17013,8 @@
         </p:blipFill>
         <p:spPr>
           <a:xfrm>
-            <a:off x="457200" y="2407070"/>
-            <a:ext cx="8229600" cy="2912223"/>
+            <a:off x="457200" y="1862676"/>
+            <a:ext cx="8229600" cy="4001010"/>
           </a:xfrm>
         </p:spPr>
       </p:pic>
@@ -18492,301 +18490,6 @@
     <p:extLst>
       <p:ext uri="{BB962C8B-B14F-4D97-AF65-F5344CB8AC3E}">
         <p14:creationId xmlns:p14="http://schemas.microsoft.com/office/powerpoint/2010/main" val="3882054155"/>
-      </p:ext>
-    </p:extLst>
-  </p:cSld>
-  <p:clrMapOvr>
-    <a:masterClrMapping/>
-  </p:clrMapOvr>
-  <p:transition spd="slow">
-    <p:wipe dir="d"/>
-  </p:transition>
-  <p:timing>
-    <p:tnLst>
-      <p:par>
-        <p:cTn id="1" dur="indefinite" restart="never" nodeType="tmRoot">
-          <p:childTnLst>
-            <p:seq concurrent="1" nextAc="seek">
-              <p:cTn id="2" dur="indefinite" nodeType="mainSeq">
-                <p:childTnLst>
-                  <p:par>
-                    <p:cTn id="3" fill="hold">
-                      <p:stCondLst>
-                        <p:cond delay="indefinite"/>
-                        <p:cond evt="onBegin" delay="0">
-                          <p:tn val="2"/>
-                        </p:cond>
-                      </p:stCondLst>
-                      <p:childTnLst>
-                        <p:par>
-                          <p:cTn id="4" fill="hold">
-                            <p:stCondLst>
-                              <p:cond delay="0"/>
-                            </p:stCondLst>
-                            <p:childTnLst>
-                              <p:par>
-                                <p:cTn id="5" presetID="2" presetClass="entr" presetSubtype="2" fill="hold" grpId="0" nodeType="afterEffect">
-                                  <p:stCondLst>
-                                    <p:cond delay="0"/>
-                                  </p:stCondLst>
-                                  <p:childTnLst>
-                                    <p:set>
-                                      <p:cBhvr>
-                                        <p:cTn id="6" dur="1" fill="hold">
-                                          <p:stCondLst>
-                                            <p:cond delay="0"/>
-                                          </p:stCondLst>
-                                        </p:cTn>
-                                        <p:tgtEl>
-                                          <p:spTgt spid="4"/>
-                                        </p:tgtEl>
-                                        <p:attrNameLst>
-                                          <p:attrName>style.visibility</p:attrName>
-                                        </p:attrNameLst>
-                                      </p:cBhvr>
-                                      <p:to>
-                                        <p:strVal val="visible"/>
-                                      </p:to>
-                                    </p:set>
-                                    <p:anim calcmode="lin" valueType="num">
-                                      <p:cBhvr additive="base">
-                                        <p:cTn id="7" dur="500" fill="hold"/>
-                                        <p:tgtEl>
-                                          <p:spTgt spid="4"/>
-                                        </p:tgtEl>
-                                        <p:attrNameLst>
-                                          <p:attrName>ppt_x</p:attrName>
-                                        </p:attrNameLst>
-                                      </p:cBhvr>
-                                      <p:tavLst>
-                                        <p:tav tm="0">
-                                          <p:val>
-                                            <p:strVal val="1+#ppt_w/2"/>
-                                          </p:val>
-                                        </p:tav>
-                                        <p:tav tm="100000">
-                                          <p:val>
-                                            <p:strVal val="#ppt_x"/>
-                                          </p:val>
-                                        </p:tav>
-                                      </p:tavLst>
-                                    </p:anim>
-                                    <p:anim calcmode="lin" valueType="num">
-                                      <p:cBhvr additive="base">
-                                        <p:cTn id="8" dur="500" fill="hold"/>
-                                        <p:tgtEl>
-                                          <p:spTgt spid="4"/>
-                                        </p:tgtEl>
-                                        <p:attrNameLst>
-                                          <p:attrName>ppt_y</p:attrName>
-                                        </p:attrNameLst>
-                                      </p:cBhvr>
-                                      <p:tavLst>
-                                        <p:tav tm="0">
-                                          <p:val>
-                                            <p:strVal val="#ppt_y"/>
-                                          </p:val>
-                                        </p:tav>
-                                        <p:tav tm="100000">
-                                          <p:val>
-                                            <p:strVal val="#ppt_y"/>
-                                          </p:val>
-                                        </p:tav>
-                                      </p:tavLst>
-                                    </p:anim>
-                                  </p:childTnLst>
-                                </p:cTn>
-                              </p:par>
-                            </p:childTnLst>
-                          </p:cTn>
-                        </p:par>
-                      </p:childTnLst>
-                    </p:cTn>
-                  </p:par>
-                </p:childTnLst>
-              </p:cTn>
-              <p:prevCondLst>
-                <p:cond evt="onPrev" delay="0">
-                  <p:tgtEl>
-                    <p:sldTgt/>
-                  </p:tgtEl>
-                </p:cond>
-              </p:prevCondLst>
-              <p:nextCondLst>
-                <p:cond evt="onNext" delay="0">
-                  <p:tgtEl>
-                    <p:sldTgt/>
-                  </p:tgtEl>
-                </p:cond>
-              </p:nextCondLst>
-            </p:seq>
-          </p:childTnLst>
-        </p:cTn>
-      </p:par>
-    </p:tnLst>
-    <p:bldLst>
-      <p:bldP spid="4" grpId="0"/>
-    </p:bldLst>
-  </p:timing>
-</p:sld>
-</file>
-
-<file path=ppt/slides/slide38.xml><?xml version="1.0" encoding="utf-8"?>
-<p:sld xmlns:a="http://schemas.openxmlformats.org/drawingml/2006/main" xmlns:r="http://schemas.openxmlformats.org/officeDocument/2006/relationships" xmlns:p="http://schemas.openxmlformats.org/presentationml/2006/main">
-  <p:cSld>
-    <p:bg>
-      <p:bgPr>
-        <a:blipFill dpi="0" rotWithShape="1">
-          <a:blip r:embed="rId3">
-            <a:lum/>
-          </a:blip>
-          <a:srcRect/>
-          <a:stretch>
-            <a:fillRect/>
-          </a:stretch>
-        </a:blipFill>
-        <a:effectLst/>
-      </p:bgPr>
-    </p:bg>
-    <p:spTree>
-      <p:nvGrpSpPr>
-        <p:cNvPr id="1" name=""/>
-        <p:cNvGrpSpPr/>
-        <p:nvPr/>
-      </p:nvGrpSpPr>
-      <p:grpSpPr>
-        <a:xfrm>
-          <a:off x="0" y="0"/>
-          <a:ext cx="0" cy="0"/>
-          <a:chOff x="0" y="0"/>
-          <a:chExt cx="0" cy="0"/>
-        </a:xfrm>
-      </p:grpSpPr>
-      <p:sp>
-        <p:nvSpPr>
-          <p:cNvPr id="4" name="矩形 3"/>
-          <p:cNvSpPr/>
-          <p:nvPr/>
-        </p:nvSpPr>
-        <p:spPr>
-          <a:xfrm>
-            <a:off x="6732240" y="267799"/>
-            <a:ext cx="854721" cy="492443"/>
-          </a:xfrm>
-          <a:prstGeom prst="rect">
-            <a:avLst/>
-          </a:prstGeom>
-        </p:spPr>
-        <p:txBody>
-          <a:bodyPr wrap="none">
-            <a:spAutoFit/>
-          </a:bodyPr>
-          <a:lstStyle/>
-          <a:p>
-            <a:r>
-              <a:rPr lang="zh-CN" altLang="en-US" sz="2600" b="1" dirty="0">
-                <a:solidFill>
-                  <a:schemeClr val="bg1"/>
-                </a:solidFill>
-                <a:latin typeface="黑体" pitchFamily="2" charset="-122"/>
-                <a:ea typeface="黑体" pitchFamily="2" charset="-122"/>
-              </a:rPr>
-              <a:t>参考</a:t>
-            </a:r>
-          </a:p>
-        </p:txBody>
-      </p:sp>
-      <p:sp>
-        <p:nvSpPr>
-          <p:cNvPr id="6" name="内容占位符 5"/>
-          <p:cNvSpPr>
-            <a:spLocks noGrp="1"/>
-          </p:cNvSpPr>
-          <p:nvPr>
-            <p:ph idx="1"/>
-          </p:nvPr>
-        </p:nvSpPr>
-        <p:spPr/>
-        <p:txBody>
-          <a:bodyPr/>
-          <a:lstStyle/>
-          <a:p>
-            <a:r>
-              <a:rPr lang="en-US" altLang="zh-CN" dirty="0"/>
-              <a:t> </a:t>
-            </a:r>
-            <a:r>
-              <a:rPr lang="zh-CN" altLang="en-US" dirty="0" smtClean="0"/>
-              <a:t>配置文件模板如下：</a:t>
-            </a:r>
-            <a:endParaRPr lang="en-US" altLang="zh-CN" dirty="0" smtClean="0"/>
-          </a:p>
-          <a:p>
-            <a:endParaRPr lang="zh-CN" altLang="en-US" dirty="0"/>
-          </a:p>
-        </p:txBody>
-      </p:sp>
-      <p:graphicFrame>
-        <p:nvGraphicFramePr>
-          <p:cNvPr id="7" name="对象 6"/>
-          <p:cNvGraphicFramePr>
-            <a:graphicFrameLocks noChangeAspect="1"/>
-          </p:cNvGraphicFramePr>
-          <p:nvPr>
-            <p:extLst>
-              <p:ext uri="{D42A27DB-BD31-4B8C-83A1-F6EECF244321}">
-                <p14:modId xmlns:p14="http://schemas.microsoft.com/office/powerpoint/2010/main" val="3945986117"/>
-              </p:ext>
-            </p:extLst>
-          </p:nvPr>
-        </p:nvGraphicFramePr>
-        <p:xfrm>
-          <a:off x="3714750" y="3073400"/>
-          <a:ext cx="1714500" cy="711200"/>
-        </p:xfrm>
-        <a:graphic>
-          <a:graphicData uri="http://schemas.openxmlformats.org/presentationml/2006/ole">
-            <mc:AlternateContent xmlns:mc="http://schemas.openxmlformats.org/markup-compatibility/2006">
-              <mc:Choice xmlns:v="urn:schemas-microsoft-com:vml" Requires="v">
-                <p:oleObj spid="_x0000_s1035" name="包装程序外壳对象" showAsIcon="1" r:id="rId4" imgW="1715040" imgH="711360" progId="Package">
-                  <p:embed/>
-                </p:oleObj>
-              </mc:Choice>
-              <mc:Fallback>
-                <p:oleObj name="包装程序外壳对象" showAsIcon="1" r:id="rId4" imgW="1715040" imgH="711360" progId="Package">
-                  <p:embed/>
-                  <p:pic>
-                    <p:nvPicPr>
-                      <p:cNvPr id="0" name=""/>
-                      <p:cNvPicPr/>
-                      <p:nvPr/>
-                    </p:nvPicPr>
-                    <p:blipFill>
-                      <a:blip r:embed="rId5"/>
-                      <a:stretch>
-                        <a:fillRect/>
-                      </a:stretch>
-                    </p:blipFill>
-                    <p:spPr>
-                      <a:xfrm>
-                        <a:off x="3714750" y="3073400"/>
-                        <a:ext cx="1714500" cy="711200"/>
-                      </a:xfrm>
-                      <a:prstGeom prst="rect">
-                        <a:avLst/>
-                      </a:prstGeom>
-                    </p:spPr>
-                  </p:pic>
-                </p:oleObj>
-              </mc:Fallback>
-            </mc:AlternateContent>
-          </a:graphicData>
-        </a:graphic>
-      </p:graphicFrame>
-    </p:spTree>
-    <p:extLst>
-      <p:ext uri="{BB962C8B-B14F-4D97-AF65-F5344CB8AC3E}">
-        <p14:creationId xmlns:p14="http://schemas.microsoft.com/office/powerpoint/2010/main" val="50021541"/>
       </p:ext>
     </p:extLst>
   </p:cSld>
@@ -19306,7 +19009,7 @@
         <p:spPr bwMode="auto">
           <a:xfrm flipH="1">
             <a:off x="321252" y="1203027"/>
-            <a:ext cx="1926901" cy="1815882"/>
+            <a:ext cx="1926901" cy="2062103"/>
           </a:xfrm>
           <a:prstGeom prst="rect">
             <a:avLst/>
@@ -19461,6 +19164,10 @@
               <a:defRPr/>
             </a:pPr>
             <a:r>
+              <a:rPr lang="en-US" altLang="zh-CN" sz="1600" dirty="0" err="1"/>
+              <a:t>org.github.dtsopensource.core</a:t>
+            </a:r>
+            <a:r>
               <a:rPr lang="en-US" altLang="zh-CN" sz="1600" kern="0" dirty="0" err="1" smtClean="0">
                 <a:solidFill>
                   <a:sysClr val="windowText" lastClr="000000">
@@ -19471,7 +19178,7 @@
                 <a:latin typeface="黑体" panose="02010609060101010101" pitchFamily="49" charset="-122"/>
                 <a:ea typeface="黑体" panose="02010609060101010101" pitchFamily="49" charset="-122"/>
               </a:rPr>
-              <a:t>com.zhongan.dts.ITwoPhaseCommit</a:t>
+              <a:t>.ITwoPhaseCommit</a:t>
             </a:r>
             <a:r>
               <a:rPr lang="zh-CN" altLang="en-US" sz="1600" kern="0" dirty="0" smtClean="0">
